--- a/media/Pluto.pptx
+++ b/media/Pluto.pptx
@@ -6,11 +6,19 @@
   </p:sldMasterIdLst>
   <p:sldIdLst>
     <p:sldId id="256" r:id="rId2"/>
-    <p:sldId id="257" r:id="rId3"/>
-    <p:sldId id="258" r:id="rId4"/>
-    <p:sldId id="259" r:id="rId5"/>
-    <p:sldId id="260" r:id="rId6"/>
-    <p:sldId id="261" r:id="rId7"/>
+    <p:sldId id="269" r:id="rId3"/>
+    <p:sldId id="257" r:id="rId4"/>
+    <p:sldId id="262" r:id="rId5"/>
+    <p:sldId id="263" r:id="rId6"/>
+    <p:sldId id="258" r:id="rId7"/>
+    <p:sldId id="264" r:id="rId8"/>
+    <p:sldId id="265" r:id="rId9"/>
+    <p:sldId id="259" r:id="rId10"/>
+    <p:sldId id="266" r:id="rId11"/>
+    <p:sldId id="260" r:id="rId12"/>
+    <p:sldId id="267" r:id="rId13"/>
+    <p:sldId id="268" r:id="rId14"/>
+    <p:sldId id="261" r:id="rId15"/>
   </p:sldIdLst>
   <p:sldSz cx="12192000" cy="6858000"/>
   <p:notesSz cx="6858000" cy="9144000"/>
@@ -109,6 +117,11 @@
       </a:defRPr>
     </a:lvl9pPr>
   </p:defaultTextStyle>
+  <p:extLst>
+    <p:ext uri="{EFAFB233-063F-42B5-8137-9DF3F51BA10A}">
+      <p15:sldGuideLst xmlns:p15="http://schemas.microsoft.com/office/powerpoint/2012/main"/>
+    </p:ext>
+  </p:extLst>
 </p:presentation>
 </file>
 
@@ -3039,6 +3052,1511 @@
 </p:sld>
 </file>
 
+<file path=ppt/slides/slide10.xml><?xml version="1.0" encoding="utf-8"?>
+<p:sld xmlns:a="http://schemas.openxmlformats.org/drawingml/2006/main" xmlns:r="http://schemas.openxmlformats.org/officeDocument/2006/relationships" xmlns:p="http://schemas.openxmlformats.org/presentationml/2006/main">
+  <p:cSld>
+    <p:spTree>
+      <p:nvGrpSpPr>
+        <p:cNvPr id="1" name=""/>
+        <p:cNvGrpSpPr/>
+        <p:nvPr/>
+      </p:nvGrpSpPr>
+      <p:grpSpPr>
+        <a:xfrm>
+          <a:off x="0" y="0"/>
+          <a:ext cx="0" cy="0"/>
+          <a:chOff x="0" y="0"/>
+          <a:chExt cx="0" cy="0"/>
+        </a:xfrm>
+      </p:grpSpPr>
+      <p:sp>
+        <p:nvSpPr>
+          <p:cNvPr id="4" name="Title 3"/>
+          <p:cNvSpPr>
+            <a:spLocks noGrp="1"/>
+          </p:cNvSpPr>
+          <p:nvPr>
+            <p:ph type="title"/>
+          </p:nvPr>
+        </p:nvSpPr>
+        <p:spPr/>
+        <p:txBody>
+          <a:bodyPr/>
+          <a:lstStyle/>
+          <a:p>
+            <a:r>
+              <a:rPr lang="en-IN" dirty="0" smtClean="0"/>
+              <a:t>Trials and Tribulations</a:t>
+            </a:r>
+            <a:endParaRPr lang="en-IN" dirty="0"/>
+          </a:p>
+        </p:txBody>
+      </p:sp>
+      <p:sp>
+        <p:nvSpPr>
+          <p:cNvPr id="5" name="Content Placeholder 4"/>
+          <p:cNvSpPr>
+            <a:spLocks noGrp="1"/>
+          </p:cNvSpPr>
+          <p:nvPr>
+            <p:ph idx="1"/>
+          </p:nvPr>
+        </p:nvSpPr>
+        <p:spPr/>
+        <p:txBody>
+          <a:bodyPr/>
+          <a:lstStyle/>
+          <a:p>
+            <a:r>
+              <a:rPr lang="en-IN" dirty="0" smtClean="0"/>
+              <a:t>Data API</a:t>
+            </a:r>
+          </a:p>
+          <a:p>
+            <a:pPr lvl="1"/>
+            <a:r>
+              <a:rPr lang="en-IN" dirty="0" smtClean="0"/>
+              <a:t>Bandwidth got swamped</a:t>
+            </a:r>
+          </a:p>
+          <a:p>
+            <a:pPr lvl="1"/>
+            <a:r>
+              <a:rPr lang="en-IN" dirty="0" smtClean="0"/>
+              <a:t>Cloud storage and data transfer charges went through the roof</a:t>
+            </a:r>
+          </a:p>
+          <a:p>
+            <a:r>
+              <a:rPr lang="en-IN" dirty="0" smtClean="0"/>
+              <a:t>SSH to internal network</a:t>
+            </a:r>
+          </a:p>
+          <a:p>
+            <a:pPr lvl="1"/>
+            <a:r>
+              <a:rPr lang="en-IN" dirty="0" smtClean="0"/>
+              <a:t>How do you show plots?</a:t>
+            </a:r>
+          </a:p>
+          <a:p>
+            <a:pPr lvl="1"/>
+            <a:r>
+              <a:rPr lang="en-IN" dirty="0" smtClean="0"/>
+              <a:t>Security hazard – got pinged continuously by port-scanners</a:t>
+            </a:r>
+          </a:p>
+          <a:p>
+            <a:r>
+              <a:rPr lang="en-IN" dirty="0" err="1" smtClean="0"/>
+              <a:t>JupyterHub</a:t>
+            </a:r>
+            <a:r>
+              <a:rPr lang="en-IN" dirty="0" smtClean="0"/>
+              <a:t> on port:80 on internal network</a:t>
+            </a:r>
+          </a:p>
+          <a:p>
+            <a:pPr lvl="1"/>
+            <a:r>
+              <a:rPr lang="en-IN" dirty="0" smtClean="0"/>
+              <a:t>Ping^2</a:t>
+            </a:r>
+            <a:endParaRPr lang="en-IN" dirty="0"/>
+          </a:p>
+        </p:txBody>
+      </p:sp>
+    </p:spTree>
+    <p:extLst>
+      <p:ext uri="{BB962C8B-B14F-4D97-AF65-F5344CB8AC3E}">
+        <p14:creationId xmlns:p14="http://schemas.microsoft.com/office/powerpoint/2010/main" val="2825960374"/>
+      </p:ext>
+    </p:extLst>
+  </p:cSld>
+  <p:clrMapOvr>
+    <a:masterClrMapping/>
+  </p:clrMapOvr>
+</p:sld>
+</file>
+
+<file path=ppt/slides/slide11.xml><?xml version="1.0" encoding="utf-8"?>
+<p:sld xmlns:a="http://schemas.openxmlformats.org/drawingml/2006/main" xmlns:r="http://schemas.openxmlformats.org/officeDocument/2006/relationships" xmlns:p="http://schemas.openxmlformats.org/presentationml/2006/main">
+  <p:cSld>
+    <p:spTree>
+      <p:nvGrpSpPr>
+        <p:cNvPr id="1" name=""/>
+        <p:cNvGrpSpPr/>
+        <p:nvPr/>
+      </p:nvGrpSpPr>
+      <p:grpSpPr>
+        <a:xfrm>
+          <a:off x="0" y="0"/>
+          <a:ext cx="0" cy="0"/>
+          <a:chOff x="0" y="0"/>
+          <a:chExt cx="0" cy="0"/>
+        </a:xfrm>
+      </p:grpSpPr>
+      <p:sp>
+        <p:nvSpPr>
+          <p:cNvPr id="2" name="Title 1"/>
+          <p:cNvSpPr>
+            <a:spLocks noGrp="1"/>
+          </p:cNvSpPr>
+          <p:nvPr>
+            <p:ph type="title"/>
+          </p:nvPr>
+        </p:nvSpPr>
+        <p:spPr/>
+        <p:txBody>
+          <a:bodyPr/>
+          <a:lstStyle/>
+          <a:p>
+            <a:r>
+              <a:rPr lang="en-IN" dirty="0" smtClean="0"/>
+              <a:t>Flow</a:t>
+            </a:r>
+            <a:endParaRPr lang="en-IN" dirty="0"/>
+          </a:p>
+        </p:txBody>
+      </p:sp>
+      <p:sp>
+        <p:nvSpPr>
+          <p:cNvPr id="3" name="Text Placeholder 2"/>
+          <p:cNvSpPr>
+            <a:spLocks noGrp="1"/>
+          </p:cNvSpPr>
+          <p:nvPr>
+            <p:ph type="body" idx="1"/>
+          </p:nvPr>
+        </p:nvSpPr>
+        <p:spPr/>
+        <p:txBody>
+          <a:bodyPr/>
+          <a:lstStyle/>
+          <a:p>
+            <a:r>
+              <a:rPr lang="en-IN" dirty="0" smtClean="0"/>
+              <a:t>How?</a:t>
+            </a:r>
+            <a:endParaRPr lang="en-IN" dirty="0"/>
+          </a:p>
+        </p:txBody>
+      </p:sp>
+    </p:spTree>
+    <p:extLst>
+      <p:ext uri="{BB962C8B-B14F-4D97-AF65-F5344CB8AC3E}">
+        <p14:creationId xmlns:p14="http://schemas.microsoft.com/office/powerpoint/2010/main" val="3292695937"/>
+      </p:ext>
+    </p:extLst>
+  </p:cSld>
+  <p:clrMapOvr>
+    <a:masterClrMapping/>
+  </p:clrMapOvr>
+  <p:timing>
+    <p:tnLst>
+      <p:par>
+        <p:cTn id="1" dur="indefinite" restart="never" nodeType="tmRoot"/>
+      </p:par>
+    </p:tnLst>
+  </p:timing>
+</p:sld>
+</file>
+
+<file path=ppt/slides/slide12.xml><?xml version="1.0" encoding="utf-8"?>
+<p:sld xmlns:a="http://schemas.openxmlformats.org/drawingml/2006/main" xmlns:r="http://schemas.openxmlformats.org/officeDocument/2006/relationships" xmlns:p="http://schemas.openxmlformats.org/presentationml/2006/main">
+  <p:cSld>
+    <p:spTree>
+      <p:nvGrpSpPr>
+        <p:cNvPr id="1" name=""/>
+        <p:cNvGrpSpPr/>
+        <p:nvPr/>
+      </p:nvGrpSpPr>
+      <p:grpSpPr>
+        <a:xfrm>
+          <a:off x="0" y="0"/>
+          <a:ext cx="0" cy="0"/>
+          <a:chOff x="0" y="0"/>
+          <a:chExt cx="0" cy="0"/>
+        </a:xfrm>
+      </p:grpSpPr>
+      <p:sp>
+        <p:nvSpPr>
+          <p:cNvPr id="4" name="Title 3"/>
+          <p:cNvSpPr>
+            <a:spLocks noGrp="1"/>
+          </p:cNvSpPr>
+          <p:nvPr>
+            <p:ph type="title"/>
+          </p:nvPr>
+        </p:nvSpPr>
+        <p:spPr/>
+        <p:txBody>
+          <a:bodyPr/>
+          <a:lstStyle/>
+          <a:p>
+            <a:r>
+              <a:rPr lang="en-IN" dirty="0" smtClean="0"/>
+              <a:t>Design goals and constraints</a:t>
+            </a:r>
+            <a:endParaRPr lang="en-IN" dirty="0"/>
+          </a:p>
+        </p:txBody>
+      </p:sp>
+      <p:sp>
+        <p:nvSpPr>
+          <p:cNvPr id="5" name="Content Placeholder 4"/>
+          <p:cNvSpPr>
+            <a:spLocks noGrp="1"/>
+          </p:cNvSpPr>
+          <p:nvPr>
+            <p:ph idx="1"/>
+          </p:nvPr>
+        </p:nvSpPr>
+        <p:spPr/>
+        <p:txBody>
+          <a:bodyPr/>
+          <a:lstStyle/>
+          <a:p>
+            <a:r>
+              <a:rPr lang="en-IN" dirty="0" smtClean="0"/>
+              <a:t>Data leak-proof</a:t>
+            </a:r>
+          </a:p>
+          <a:p>
+            <a:r>
+              <a:rPr lang="en-IN" dirty="0" smtClean="0"/>
+              <a:t>Metered database load</a:t>
+            </a:r>
+          </a:p>
+          <a:p>
+            <a:r>
+              <a:rPr lang="en-IN" dirty="0" smtClean="0"/>
+              <a:t>Metered compute</a:t>
+            </a:r>
+          </a:p>
+          <a:p>
+            <a:r>
+              <a:rPr lang="en-IN" dirty="0" smtClean="0"/>
+              <a:t>Facilitate collaboration</a:t>
+            </a:r>
+          </a:p>
+          <a:p>
+            <a:r>
+              <a:rPr lang="en-IN" dirty="0" smtClean="0"/>
+              <a:t>Familiar interface</a:t>
+            </a:r>
+          </a:p>
+          <a:p>
+            <a:r>
+              <a:rPr lang="en-IN" dirty="0" smtClean="0"/>
+              <a:t>Documented datasets</a:t>
+            </a:r>
+          </a:p>
+        </p:txBody>
+      </p:sp>
+    </p:spTree>
+    <p:extLst>
+      <p:ext uri="{BB962C8B-B14F-4D97-AF65-F5344CB8AC3E}">
+        <p14:creationId xmlns:p14="http://schemas.microsoft.com/office/powerpoint/2010/main" val="3198427148"/>
+      </p:ext>
+    </p:extLst>
+  </p:cSld>
+  <p:clrMapOvr>
+    <a:masterClrMapping/>
+  </p:clrMapOvr>
+</p:sld>
+</file>
+
+<file path=ppt/slides/slide13.xml><?xml version="1.0" encoding="utf-8"?>
+<p:sld xmlns:a="http://schemas.openxmlformats.org/drawingml/2006/main" xmlns:r="http://schemas.openxmlformats.org/officeDocument/2006/relationships" xmlns:p="http://schemas.openxmlformats.org/presentationml/2006/main">
+  <p:cSld>
+    <p:spTree>
+      <p:nvGrpSpPr>
+        <p:cNvPr id="1" name=""/>
+        <p:cNvGrpSpPr/>
+        <p:nvPr/>
+      </p:nvGrpSpPr>
+      <p:grpSpPr>
+        <a:xfrm>
+          <a:off x="0" y="0"/>
+          <a:ext cx="0" cy="0"/>
+          <a:chOff x="0" y="0"/>
+          <a:chExt cx="0" cy="0"/>
+        </a:xfrm>
+      </p:grpSpPr>
+      <p:sp>
+        <p:nvSpPr>
+          <p:cNvPr id="4" name="TextBox 3"/>
+          <p:cNvSpPr txBox="1"/>
+          <p:nvPr/>
+        </p:nvSpPr>
+        <p:spPr>
+          <a:xfrm>
+            <a:off x="4971096" y="1243357"/>
+            <a:ext cx="2693324" cy="553998"/>
+          </a:xfrm>
+          <a:prstGeom prst="rect">
+            <a:avLst/>
+          </a:prstGeom>
+        </p:spPr>
+        <p:style>
+          <a:lnRef idx="2">
+            <a:schemeClr val="dk1"/>
+          </a:lnRef>
+          <a:fillRef idx="1">
+            <a:schemeClr val="lt1"/>
+          </a:fillRef>
+          <a:effectRef idx="0">
+            <a:schemeClr val="dk1"/>
+          </a:effectRef>
+          <a:fontRef idx="minor">
+            <a:schemeClr val="dk1"/>
+          </a:fontRef>
+        </p:style>
+        <p:txBody>
+          <a:bodyPr wrap="square" rtlCol="0">
+            <a:spAutoFit/>
+          </a:bodyPr>
+          <a:lstStyle/>
+          <a:p>
+            <a:r>
+              <a:rPr lang="en-IN" dirty="0" smtClean="0"/>
+              <a:t>Cloud hosted </a:t>
+            </a:r>
+            <a:r>
+              <a:rPr lang="en-IN" dirty="0" err="1" smtClean="0"/>
+              <a:t>JupyterHub</a:t>
+            </a:r>
+            <a:endParaRPr lang="en-IN" dirty="0" smtClean="0"/>
+          </a:p>
+          <a:p>
+            <a:pPr algn="ctr"/>
+            <a:r>
+              <a:rPr lang="en-IN" sz="1100" dirty="0" smtClean="0">
+                <a:latin typeface="Lucida Console" panose="020B0609040504020204" pitchFamily="49" charset="0"/>
+              </a:rPr>
+              <a:t>login with </a:t>
+            </a:r>
+            <a:r>
+              <a:rPr lang="en-IN" sz="1100" dirty="0" err="1" smtClean="0">
+                <a:latin typeface="Lucida Console" panose="020B0609040504020204" pitchFamily="49" charset="0"/>
+              </a:rPr>
+              <a:t>github</a:t>
+            </a:r>
+            <a:endParaRPr lang="en-IN" sz="1100" dirty="0">
+              <a:latin typeface="Lucida Console" panose="020B0609040504020204" pitchFamily="49" charset="0"/>
+            </a:endParaRPr>
+          </a:p>
+        </p:txBody>
+      </p:sp>
+      <p:sp>
+        <p:nvSpPr>
+          <p:cNvPr id="6" name="TextBox 5"/>
+          <p:cNvSpPr txBox="1"/>
+          <p:nvPr/>
+        </p:nvSpPr>
+        <p:spPr>
+          <a:xfrm>
+            <a:off x="9019930" y="2818946"/>
+            <a:ext cx="1798320" cy="646331"/>
+          </a:xfrm>
+          <a:prstGeom prst="rect">
+            <a:avLst/>
+          </a:prstGeom>
+        </p:spPr>
+        <p:style>
+          <a:lnRef idx="2">
+            <a:schemeClr val="dk1"/>
+          </a:lnRef>
+          <a:fillRef idx="1">
+            <a:schemeClr val="lt1"/>
+          </a:fillRef>
+          <a:effectRef idx="0">
+            <a:schemeClr val="dk1"/>
+          </a:effectRef>
+          <a:fontRef idx="minor">
+            <a:schemeClr val="dk1"/>
+          </a:fontRef>
+        </p:style>
+        <p:txBody>
+          <a:bodyPr wrap="square" rtlCol="0">
+            <a:spAutoFit/>
+          </a:bodyPr>
+          <a:lstStyle/>
+          <a:p>
+            <a:pPr algn="ctr"/>
+            <a:r>
+              <a:rPr lang="en-IN" dirty="0" smtClean="0"/>
+              <a:t>Cloud hosted </a:t>
+            </a:r>
+          </a:p>
+          <a:p>
+            <a:pPr algn="ctr"/>
+            <a:r>
+              <a:rPr lang="en-IN" dirty="0" err="1" smtClean="0"/>
+              <a:t>MongoDb</a:t>
+            </a:r>
+            <a:r>
+              <a:rPr lang="en-IN" dirty="0" smtClean="0"/>
+              <a:t> Queue</a:t>
+            </a:r>
+          </a:p>
+        </p:txBody>
+      </p:sp>
+      <p:sp>
+        <p:nvSpPr>
+          <p:cNvPr id="8" name="TextBox 7"/>
+          <p:cNvSpPr txBox="1"/>
+          <p:nvPr/>
+        </p:nvSpPr>
+        <p:spPr>
+          <a:xfrm>
+            <a:off x="1856561" y="2383813"/>
+            <a:ext cx="828502" cy="369332"/>
+          </a:xfrm>
+          <a:prstGeom prst="rect">
+            <a:avLst/>
+          </a:prstGeom>
+        </p:spPr>
+        <p:style>
+          <a:lnRef idx="2">
+            <a:schemeClr val="dk1"/>
+          </a:lnRef>
+          <a:fillRef idx="1">
+            <a:schemeClr val="lt1"/>
+          </a:fillRef>
+          <a:effectRef idx="0">
+            <a:schemeClr val="dk1"/>
+          </a:effectRef>
+          <a:fontRef idx="minor">
+            <a:schemeClr val="dk1"/>
+          </a:fontRef>
+        </p:style>
+        <p:txBody>
+          <a:bodyPr wrap="square" rtlCol="0">
+            <a:spAutoFit/>
+          </a:bodyPr>
+          <a:lstStyle/>
+          <a:p>
+            <a:r>
+              <a:rPr lang="en-IN" dirty="0" err="1" smtClean="0"/>
+              <a:t>Github</a:t>
+            </a:r>
+            <a:endParaRPr lang="en-IN" dirty="0" smtClean="0"/>
+          </a:p>
+        </p:txBody>
+      </p:sp>
+      <p:cxnSp>
+        <p:nvCxnSpPr>
+          <p:cNvPr id="15" name="Straight Arrow Connector 14"/>
+          <p:cNvCxnSpPr>
+            <a:stCxn id="4" idx="3"/>
+            <a:endCxn id="6" idx="0"/>
+          </p:cNvCxnSpPr>
+          <p:nvPr/>
+        </p:nvCxnSpPr>
+        <p:spPr>
+          <a:xfrm>
+            <a:off x="7664420" y="1520356"/>
+            <a:ext cx="2254670" cy="1298590"/>
+          </a:xfrm>
+          <a:prstGeom prst="bentConnector2">
+            <a:avLst/>
+          </a:prstGeom>
+          <a:ln>
+            <a:tailEnd type="triangle"/>
+          </a:ln>
+        </p:spPr>
+        <p:style>
+          <a:lnRef idx="2">
+            <a:schemeClr val="dk1"/>
+          </a:lnRef>
+          <a:fillRef idx="0">
+            <a:schemeClr val="dk1"/>
+          </a:fillRef>
+          <a:effectRef idx="1">
+            <a:schemeClr val="dk1"/>
+          </a:effectRef>
+          <a:fontRef idx="minor">
+            <a:schemeClr val="tx1"/>
+          </a:fontRef>
+        </p:style>
+      </p:cxnSp>
+      <p:cxnSp>
+        <p:nvCxnSpPr>
+          <p:cNvPr id="17" name="Straight Arrow Connector 16"/>
+          <p:cNvCxnSpPr>
+            <a:stCxn id="6" idx="2"/>
+            <a:endCxn id="9" idx="3"/>
+          </p:cNvCxnSpPr>
+          <p:nvPr/>
+        </p:nvCxnSpPr>
+        <p:spPr>
+          <a:xfrm rot="5400000">
+            <a:off x="7779155" y="2868402"/>
+            <a:ext cx="1543061" cy="2736810"/>
+          </a:xfrm>
+          <a:prstGeom prst="bentConnector2">
+            <a:avLst/>
+          </a:prstGeom>
+          <a:ln>
+            <a:tailEnd type="triangle"/>
+          </a:ln>
+        </p:spPr>
+        <p:style>
+          <a:lnRef idx="2">
+            <a:schemeClr val="dk1"/>
+          </a:lnRef>
+          <a:fillRef idx="0">
+            <a:schemeClr val="dk1"/>
+          </a:fillRef>
+          <a:effectRef idx="1">
+            <a:schemeClr val="dk1"/>
+          </a:effectRef>
+          <a:fontRef idx="minor">
+            <a:schemeClr val="tx1"/>
+          </a:fontRef>
+        </p:style>
+      </p:cxnSp>
+      <p:grpSp>
+        <p:nvGrpSpPr>
+          <p:cNvPr id="67" name="Group 66"/>
+          <p:cNvGrpSpPr/>
+          <p:nvPr/>
+        </p:nvGrpSpPr>
+        <p:grpSpPr>
+          <a:xfrm>
+            <a:off x="5453233" y="4739033"/>
+            <a:ext cx="1729047" cy="1432563"/>
+            <a:chOff x="5192682" y="4602479"/>
+            <a:chExt cx="1729047" cy="1432563"/>
+          </a:xfrm>
+        </p:grpSpPr>
+        <p:sp>
+          <p:nvSpPr>
+            <p:cNvPr id="9" name="TextBox 8"/>
+            <p:cNvSpPr txBox="1"/>
+            <p:nvPr/>
+          </p:nvSpPr>
+          <p:spPr>
+            <a:xfrm>
+              <a:off x="5192682" y="4602479"/>
+              <a:ext cx="1729047" cy="538609"/>
+            </a:xfrm>
+            <a:prstGeom prst="rect">
+              <a:avLst/>
+            </a:prstGeom>
+          </p:spPr>
+          <p:style>
+            <a:lnRef idx="2">
+              <a:schemeClr val="dk1"/>
+            </a:lnRef>
+            <a:fillRef idx="1">
+              <a:schemeClr val="lt1"/>
+            </a:fillRef>
+            <a:effectRef idx="0">
+              <a:schemeClr val="dk1"/>
+            </a:effectRef>
+            <a:fontRef idx="minor">
+              <a:schemeClr val="dk1"/>
+            </a:fontRef>
+          </p:style>
+          <p:txBody>
+            <a:bodyPr wrap="square" rtlCol="0">
+              <a:spAutoFit/>
+            </a:bodyPr>
+            <a:lstStyle/>
+            <a:p>
+              <a:r>
+                <a:rPr lang="en-IN" dirty="0" smtClean="0"/>
+                <a:t>Private compute</a:t>
+              </a:r>
+            </a:p>
+            <a:p>
+              <a:r>
+                <a:rPr lang="en-IN" sz="1100" dirty="0">
+                  <a:solidFill>
+                    <a:schemeClr val="tx1"/>
+                  </a:solidFill>
+                  <a:latin typeface="Lucida Console" panose="020B0609040504020204" pitchFamily="49" charset="0"/>
+                </a:rPr>
+                <a:t>API (open source</a:t>
+              </a:r>
+              <a:r>
+                <a:rPr lang="en-IN" sz="1100" dirty="0" smtClean="0">
+                  <a:solidFill>
+                    <a:schemeClr val="tx1"/>
+                  </a:solidFill>
+                  <a:latin typeface="Lucida Console" panose="020B0609040504020204" pitchFamily="49" charset="0"/>
+                </a:rPr>
+                <a:t>)</a:t>
+              </a:r>
+              <a:endParaRPr lang="en-IN" sz="1600" dirty="0">
+                <a:solidFill>
+                  <a:schemeClr val="tx1"/>
+                </a:solidFill>
+                <a:latin typeface="Lucida Console" panose="020B0609040504020204" pitchFamily="49" charset="0"/>
+              </a:endParaRPr>
+            </a:p>
+          </p:txBody>
+        </p:sp>
+        <p:sp>
+          <p:nvSpPr>
+            <p:cNvPr id="10" name="Can 9"/>
+            <p:cNvSpPr/>
+            <p:nvPr/>
+          </p:nvSpPr>
+          <p:spPr>
+            <a:xfrm>
+              <a:off x="5857702" y="5503027"/>
+              <a:ext cx="399011" cy="532015"/>
+            </a:xfrm>
+            <a:prstGeom prst="can">
+              <a:avLst/>
+            </a:prstGeom>
+          </p:spPr>
+          <p:style>
+            <a:lnRef idx="2">
+              <a:schemeClr val="dk1"/>
+            </a:lnRef>
+            <a:fillRef idx="1">
+              <a:schemeClr val="lt1"/>
+            </a:fillRef>
+            <a:effectRef idx="0">
+              <a:schemeClr val="dk1"/>
+            </a:effectRef>
+            <a:fontRef idx="minor">
+              <a:schemeClr val="dk1"/>
+            </a:fontRef>
+          </p:style>
+          <p:txBody>
+            <a:bodyPr rtlCol="0" anchor="ctr"/>
+            <a:lstStyle/>
+            <a:p>
+              <a:pPr algn="ctr"/>
+              <a:endParaRPr lang="en-IN"/>
+            </a:p>
+          </p:txBody>
+        </p:sp>
+        <p:sp>
+          <p:nvSpPr>
+            <p:cNvPr id="11" name="Can 10"/>
+            <p:cNvSpPr/>
+            <p:nvPr/>
+          </p:nvSpPr>
+          <p:spPr>
+            <a:xfrm>
+              <a:off x="6323214" y="5503025"/>
+              <a:ext cx="399011" cy="532015"/>
+            </a:xfrm>
+            <a:prstGeom prst="can">
+              <a:avLst/>
+            </a:prstGeom>
+          </p:spPr>
+          <p:style>
+            <a:lnRef idx="2">
+              <a:schemeClr val="dk1"/>
+            </a:lnRef>
+            <a:fillRef idx="1">
+              <a:schemeClr val="lt1"/>
+            </a:fillRef>
+            <a:effectRef idx="0">
+              <a:schemeClr val="dk1"/>
+            </a:effectRef>
+            <a:fontRef idx="minor">
+              <a:schemeClr val="dk1"/>
+            </a:fontRef>
+          </p:style>
+          <p:txBody>
+            <a:bodyPr rtlCol="0" anchor="ctr"/>
+            <a:lstStyle/>
+            <a:p>
+              <a:pPr algn="ctr"/>
+              <a:endParaRPr lang="en-IN"/>
+            </a:p>
+          </p:txBody>
+        </p:sp>
+        <p:sp>
+          <p:nvSpPr>
+            <p:cNvPr id="12" name="Can 11"/>
+            <p:cNvSpPr/>
+            <p:nvPr/>
+          </p:nvSpPr>
+          <p:spPr>
+            <a:xfrm>
+              <a:off x="5392190" y="5503025"/>
+              <a:ext cx="399011" cy="532015"/>
+            </a:xfrm>
+            <a:prstGeom prst="can">
+              <a:avLst/>
+            </a:prstGeom>
+          </p:spPr>
+          <p:style>
+            <a:lnRef idx="2">
+              <a:schemeClr val="dk1"/>
+            </a:lnRef>
+            <a:fillRef idx="1">
+              <a:schemeClr val="lt1"/>
+            </a:fillRef>
+            <a:effectRef idx="0">
+              <a:schemeClr val="dk1"/>
+            </a:effectRef>
+            <a:fontRef idx="minor">
+              <a:schemeClr val="dk1"/>
+            </a:fontRef>
+          </p:style>
+          <p:txBody>
+            <a:bodyPr rtlCol="0" anchor="ctr"/>
+            <a:lstStyle/>
+            <a:p>
+              <a:pPr algn="ctr"/>
+              <a:endParaRPr lang="en-IN"/>
+            </a:p>
+          </p:txBody>
+        </p:sp>
+        <p:cxnSp>
+          <p:nvCxnSpPr>
+            <p:cNvPr id="20" name="Straight Arrow Connector 19"/>
+            <p:cNvCxnSpPr>
+              <a:endCxn id="11" idx="0"/>
+            </p:cNvCxnSpPr>
+            <p:nvPr/>
+          </p:nvCxnSpPr>
+          <p:spPr>
+            <a:xfrm>
+              <a:off x="6522719" y="5141088"/>
+              <a:ext cx="1" cy="461690"/>
+            </a:xfrm>
+            <a:prstGeom prst="straightConnector1">
+              <a:avLst/>
+            </a:prstGeom>
+            <a:ln>
+              <a:solidFill>
+                <a:schemeClr val="tx1"/>
+              </a:solidFill>
+              <a:headEnd type="arrow" w="med" len="med"/>
+              <a:tailEnd type="none" w="med" len="med"/>
+            </a:ln>
+          </p:spPr>
+          <p:style>
+            <a:lnRef idx="1">
+              <a:schemeClr val="accent1"/>
+            </a:lnRef>
+            <a:fillRef idx="0">
+              <a:schemeClr val="accent1"/>
+            </a:fillRef>
+            <a:effectRef idx="0">
+              <a:schemeClr val="accent1"/>
+            </a:effectRef>
+            <a:fontRef idx="minor">
+              <a:schemeClr val="tx1"/>
+            </a:fontRef>
+          </p:style>
+        </p:cxnSp>
+        <p:cxnSp>
+          <p:nvCxnSpPr>
+            <p:cNvPr id="21" name="Straight Arrow Connector 20"/>
+            <p:cNvCxnSpPr/>
+            <p:nvPr/>
+          </p:nvCxnSpPr>
+          <p:spPr>
+            <a:xfrm>
+              <a:off x="6057206" y="5141088"/>
+              <a:ext cx="1" cy="461690"/>
+            </a:xfrm>
+            <a:prstGeom prst="straightConnector1">
+              <a:avLst/>
+            </a:prstGeom>
+            <a:ln>
+              <a:solidFill>
+                <a:schemeClr val="tx1"/>
+              </a:solidFill>
+              <a:headEnd type="arrow" w="med" len="med"/>
+              <a:tailEnd type="none" w="med" len="med"/>
+            </a:ln>
+          </p:spPr>
+          <p:style>
+            <a:lnRef idx="1">
+              <a:schemeClr val="accent1"/>
+            </a:lnRef>
+            <a:fillRef idx="0">
+              <a:schemeClr val="accent1"/>
+            </a:fillRef>
+            <a:effectRef idx="0">
+              <a:schemeClr val="accent1"/>
+            </a:effectRef>
+            <a:fontRef idx="minor">
+              <a:schemeClr val="tx1"/>
+            </a:fontRef>
+          </p:style>
+        </p:cxnSp>
+        <p:cxnSp>
+          <p:nvCxnSpPr>
+            <p:cNvPr id="22" name="Straight Arrow Connector 21"/>
+            <p:cNvCxnSpPr/>
+            <p:nvPr/>
+          </p:nvCxnSpPr>
+          <p:spPr>
+            <a:xfrm>
+              <a:off x="5588921" y="5141088"/>
+              <a:ext cx="1" cy="461690"/>
+            </a:xfrm>
+            <a:prstGeom prst="straightConnector1">
+              <a:avLst/>
+            </a:prstGeom>
+            <a:ln>
+              <a:solidFill>
+                <a:schemeClr val="tx1"/>
+              </a:solidFill>
+              <a:headEnd type="arrow" w="med" len="med"/>
+              <a:tailEnd type="none" w="med" len="med"/>
+            </a:ln>
+          </p:spPr>
+          <p:style>
+            <a:lnRef idx="1">
+              <a:schemeClr val="accent1"/>
+            </a:lnRef>
+            <a:fillRef idx="0">
+              <a:schemeClr val="accent1"/>
+            </a:fillRef>
+            <a:effectRef idx="0">
+              <a:schemeClr val="accent1"/>
+            </a:effectRef>
+            <a:fontRef idx="minor">
+              <a:schemeClr val="tx1"/>
+            </a:fontRef>
+          </p:style>
+        </p:cxnSp>
+      </p:grpSp>
+      <p:cxnSp>
+        <p:nvCxnSpPr>
+          <p:cNvPr id="24" name="Straight Arrow Connector 23"/>
+          <p:cNvCxnSpPr>
+            <a:stCxn id="9" idx="1"/>
+            <a:endCxn id="8" idx="1"/>
+          </p:cNvCxnSpPr>
+          <p:nvPr/>
+        </p:nvCxnSpPr>
+        <p:spPr>
+          <a:xfrm rot="10800000">
+            <a:off x="1856561" y="2568480"/>
+            <a:ext cx="3596672" cy="2439859"/>
+          </a:xfrm>
+          <a:prstGeom prst="bentConnector3">
+            <a:avLst>
+              <a:gd name="adj1" fmla="val 106356"/>
+            </a:avLst>
+          </a:prstGeom>
+          <a:ln>
+            <a:tailEnd type="triangle"/>
+          </a:ln>
+        </p:spPr>
+        <p:style>
+          <a:lnRef idx="2">
+            <a:schemeClr val="dk1"/>
+          </a:lnRef>
+          <a:fillRef idx="0">
+            <a:schemeClr val="dk1"/>
+          </a:fillRef>
+          <a:effectRef idx="1">
+            <a:schemeClr val="dk1"/>
+          </a:effectRef>
+          <a:fontRef idx="minor">
+            <a:schemeClr val="tx1"/>
+          </a:fontRef>
+        </p:style>
+      </p:cxnSp>
+      <p:cxnSp>
+        <p:nvCxnSpPr>
+          <p:cNvPr id="27" name="Straight Arrow Connector 26"/>
+          <p:cNvCxnSpPr>
+            <a:stCxn id="8" idx="0"/>
+            <a:endCxn id="4" idx="1"/>
+          </p:cNvCxnSpPr>
+          <p:nvPr/>
+        </p:nvCxnSpPr>
+        <p:spPr>
+          <a:xfrm rot="5400000" flipH="1" flipV="1">
+            <a:off x="3189226" y="601943"/>
+            <a:ext cx="863457" cy="2700284"/>
+          </a:xfrm>
+          <a:prstGeom prst="bentConnector2">
+            <a:avLst/>
+          </a:prstGeom>
+          <a:ln>
+            <a:tailEnd type="triangle"/>
+          </a:ln>
+        </p:spPr>
+        <p:style>
+          <a:lnRef idx="2">
+            <a:schemeClr val="dk1"/>
+          </a:lnRef>
+          <a:fillRef idx="0">
+            <a:schemeClr val="dk1"/>
+          </a:fillRef>
+          <a:effectRef idx="1">
+            <a:schemeClr val="dk1"/>
+          </a:effectRef>
+          <a:fontRef idx="minor">
+            <a:schemeClr val="tx1"/>
+          </a:fontRef>
+        </p:style>
+      </p:cxnSp>
+      <p:cxnSp>
+        <p:nvCxnSpPr>
+          <p:cNvPr id="41" name="Straight Arrow Connector 40"/>
+          <p:cNvCxnSpPr>
+            <a:endCxn id="4" idx="0"/>
+          </p:cNvCxnSpPr>
+          <p:nvPr/>
+        </p:nvCxnSpPr>
+        <p:spPr>
+          <a:xfrm>
+            <a:off x="6317757" y="686404"/>
+            <a:ext cx="1" cy="556953"/>
+          </a:xfrm>
+          <a:prstGeom prst="straightConnector1">
+            <a:avLst/>
+          </a:prstGeom>
+          <a:ln>
+            <a:tailEnd type="triangle"/>
+          </a:ln>
+        </p:spPr>
+        <p:style>
+          <a:lnRef idx="2">
+            <a:schemeClr val="dk1"/>
+          </a:lnRef>
+          <a:fillRef idx="0">
+            <a:schemeClr val="dk1"/>
+          </a:fillRef>
+          <a:effectRef idx="1">
+            <a:schemeClr val="dk1"/>
+          </a:effectRef>
+          <a:fontRef idx="minor">
+            <a:schemeClr val="tx1"/>
+          </a:fontRef>
+        </p:style>
+      </p:cxnSp>
+      <p:cxnSp>
+        <p:nvCxnSpPr>
+          <p:cNvPr id="44" name="Straight Arrow Connector 43"/>
+          <p:cNvCxnSpPr>
+            <a:stCxn id="4" idx="2"/>
+            <a:endCxn id="8" idx="3"/>
+          </p:cNvCxnSpPr>
+          <p:nvPr/>
+        </p:nvCxnSpPr>
+        <p:spPr>
+          <a:xfrm rot="5400000">
+            <a:off x="4115849" y="366570"/>
+            <a:ext cx="771124" cy="3632695"/>
+          </a:xfrm>
+          <a:prstGeom prst="bentConnector2">
+            <a:avLst/>
+          </a:prstGeom>
+          <a:ln>
+            <a:solidFill>
+              <a:schemeClr val="tx1"/>
+            </a:solidFill>
+            <a:tailEnd type="triangle"/>
+          </a:ln>
+        </p:spPr>
+        <p:style>
+          <a:lnRef idx="2">
+            <a:schemeClr val="dk1"/>
+          </a:lnRef>
+          <a:fillRef idx="0">
+            <a:schemeClr val="dk1"/>
+          </a:fillRef>
+          <a:effectRef idx="1">
+            <a:schemeClr val="dk1"/>
+          </a:effectRef>
+          <a:fontRef idx="minor">
+            <a:schemeClr val="tx1"/>
+          </a:fontRef>
+        </p:style>
+      </p:cxnSp>
+      <p:sp>
+        <p:nvSpPr>
+          <p:cNvPr id="45" name="TextBox 44"/>
+          <p:cNvSpPr txBox="1"/>
+          <p:nvPr/>
+        </p:nvSpPr>
+        <p:spPr>
+          <a:xfrm>
+            <a:off x="2685062" y="2378042"/>
+            <a:ext cx="2492990" cy="230832"/>
+          </a:xfrm>
+          <a:prstGeom prst="rect">
+            <a:avLst/>
+          </a:prstGeom>
+          <a:noFill/>
+        </p:spPr>
+        <p:txBody>
+          <a:bodyPr wrap="none" rtlCol="0">
+            <a:spAutoFit/>
+          </a:bodyPr>
+          <a:lstStyle/>
+          <a:p>
+            <a:r>
+              <a:rPr lang="en-IN" sz="900" dirty="0" smtClean="0">
+                <a:latin typeface="Consolas" panose="020B0609020204030204" pitchFamily="49" charset="0"/>
+              </a:rPr>
+              <a:t>1: Save notebook (request) to </a:t>
+            </a:r>
+            <a:r>
+              <a:rPr lang="en-IN" sz="900" dirty="0" err="1" smtClean="0">
+                <a:latin typeface="Consolas" panose="020B0609020204030204" pitchFamily="49" charset="0"/>
+              </a:rPr>
+              <a:t>github</a:t>
+            </a:r>
+            <a:endParaRPr lang="en-IN" sz="900" dirty="0">
+              <a:latin typeface="Consolas" panose="020B0609020204030204" pitchFamily="49" charset="0"/>
+            </a:endParaRPr>
+          </a:p>
+        </p:txBody>
+      </p:sp>
+      <p:sp>
+        <p:nvSpPr>
+          <p:cNvPr id="46" name="TextBox 45"/>
+          <p:cNvSpPr txBox="1"/>
+          <p:nvPr/>
+        </p:nvSpPr>
+        <p:spPr>
+          <a:xfrm>
+            <a:off x="7746700" y="1310509"/>
+            <a:ext cx="2172390" cy="230832"/>
+          </a:xfrm>
+          <a:prstGeom prst="rect">
+            <a:avLst/>
+          </a:prstGeom>
+          <a:noFill/>
+        </p:spPr>
+        <p:txBody>
+          <a:bodyPr wrap="none" rtlCol="0">
+            <a:spAutoFit/>
+          </a:bodyPr>
+          <a:lstStyle/>
+          <a:p>
+            <a:r>
+              <a:rPr lang="en-IN" sz="900" dirty="0" smtClean="0">
+                <a:latin typeface="Consolas" panose="020B0609020204030204" pitchFamily="49" charset="0"/>
+              </a:rPr>
+              <a:t>2: queue request for processing</a:t>
+            </a:r>
+            <a:endParaRPr lang="en-IN" sz="900" dirty="0">
+              <a:latin typeface="Consolas" panose="020B0609020204030204" pitchFamily="49" charset="0"/>
+            </a:endParaRPr>
+          </a:p>
+        </p:txBody>
+      </p:sp>
+      <p:sp>
+        <p:nvSpPr>
+          <p:cNvPr id="47" name="TextBox 46"/>
+          <p:cNvSpPr txBox="1"/>
+          <p:nvPr/>
+        </p:nvSpPr>
+        <p:spPr>
+          <a:xfrm>
+            <a:off x="7746700" y="4796742"/>
+            <a:ext cx="1082348" cy="230832"/>
+          </a:xfrm>
+          <a:prstGeom prst="rect">
+            <a:avLst/>
+          </a:prstGeom>
+          <a:noFill/>
+        </p:spPr>
+        <p:txBody>
+          <a:bodyPr wrap="none" rtlCol="0">
+            <a:spAutoFit/>
+          </a:bodyPr>
+          <a:lstStyle/>
+          <a:p>
+            <a:r>
+              <a:rPr lang="en-IN" sz="900" dirty="0">
+                <a:latin typeface="Consolas" panose="020B0609020204030204" pitchFamily="49" charset="0"/>
+              </a:rPr>
+              <a:t>3</a:t>
+            </a:r>
+            <a:r>
+              <a:rPr lang="en-IN" sz="900" dirty="0" smtClean="0">
+                <a:latin typeface="Consolas" panose="020B0609020204030204" pitchFamily="49" charset="0"/>
+              </a:rPr>
+              <a:t>: pick up job</a:t>
+            </a:r>
+            <a:endParaRPr lang="en-IN" sz="900" dirty="0">
+              <a:latin typeface="Consolas" panose="020B0609020204030204" pitchFamily="49" charset="0"/>
+            </a:endParaRPr>
+          </a:p>
+        </p:txBody>
+      </p:sp>
+      <p:cxnSp>
+        <p:nvCxnSpPr>
+          <p:cNvPr id="50" name="Straight Arrow Connector 49"/>
+          <p:cNvCxnSpPr>
+            <a:stCxn id="8" idx="2"/>
+            <a:endCxn id="9" idx="0"/>
+          </p:cNvCxnSpPr>
+          <p:nvPr/>
+        </p:nvCxnSpPr>
+        <p:spPr>
+          <a:xfrm rot="16200000" flipH="1">
+            <a:off x="3301340" y="1722616"/>
+            <a:ext cx="1985888" cy="4046945"/>
+          </a:xfrm>
+          <a:prstGeom prst="bentConnector3">
+            <a:avLst>
+              <a:gd name="adj1" fmla="val 50000"/>
+            </a:avLst>
+          </a:prstGeom>
+          <a:ln>
+            <a:tailEnd type="triangle"/>
+          </a:ln>
+        </p:spPr>
+        <p:style>
+          <a:lnRef idx="2">
+            <a:schemeClr val="dk1"/>
+          </a:lnRef>
+          <a:fillRef idx="0">
+            <a:schemeClr val="dk1"/>
+          </a:fillRef>
+          <a:effectRef idx="1">
+            <a:schemeClr val="dk1"/>
+          </a:effectRef>
+          <a:fontRef idx="minor">
+            <a:schemeClr val="tx1"/>
+          </a:fontRef>
+        </p:style>
+      </p:cxnSp>
+      <p:sp>
+        <p:nvSpPr>
+          <p:cNvPr id="51" name="TextBox 50"/>
+          <p:cNvSpPr txBox="1"/>
+          <p:nvPr/>
+        </p:nvSpPr>
+        <p:spPr>
+          <a:xfrm>
+            <a:off x="2685062" y="3505639"/>
+            <a:ext cx="2621230" cy="230832"/>
+          </a:xfrm>
+          <a:prstGeom prst="rect">
+            <a:avLst/>
+          </a:prstGeom>
+          <a:noFill/>
+        </p:spPr>
+        <p:txBody>
+          <a:bodyPr wrap="none" rtlCol="0">
+            <a:spAutoFit/>
+          </a:bodyPr>
+          <a:lstStyle/>
+          <a:p>
+            <a:r>
+              <a:rPr lang="en-IN" sz="900" dirty="0" smtClean="0">
+                <a:latin typeface="Consolas" panose="020B0609020204030204" pitchFamily="49" charset="0"/>
+              </a:rPr>
+              <a:t>4: Load notebook (request) from </a:t>
+            </a:r>
+            <a:r>
+              <a:rPr lang="en-IN" sz="900" dirty="0" err="1" smtClean="0">
+                <a:latin typeface="Consolas" panose="020B0609020204030204" pitchFamily="49" charset="0"/>
+              </a:rPr>
+              <a:t>github</a:t>
+            </a:r>
+            <a:endParaRPr lang="en-IN" sz="900" dirty="0">
+              <a:latin typeface="Consolas" panose="020B0609020204030204" pitchFamily="49" charset="0"/>
+            </a:endParaRPr>
+          </a:p>
+        </p:txBody>
+      </p:sp>
+      <p:sp>
+        <p:nvSpPr>
+          <p:cNvPr id="52" name="TextBox 51"/>
+          <p:cNvSpPr txBox="1"/>
+          <p:nvPr/>
+        </p:nvSpPr>
+        <p:spPr>
+          <a:xfrm>
+            <a:off x="2685062" y="4772582"/>
+            <a:ext cx="2557110" cy="230832"/>
+          </a:xfrm>
+          <a:prstGeom prst="rect">
+            <a:avLst/>
+          </a:prstGeom>
+          <a:noFill/>
+        </p:spPr>
+        <p:txBody>
+          <a:bodyPr wrap="none" rtlCol="0">
+            <a:spAutoFit/>
+          </a:bodyPr>
+          <a:lstStyle/>
+          <a:p>
+            <a:r>
+              <a:rPr lang="en-IN" sz="900" dirty="0">
+                <a:latin typeface="Consolas" panose="020B0609020204030204" pitchFamily="49" charset="0"/>
+              </a:rPr>
+              <a:t>5</a:t>
+            </a:r>
+            <a:r>
+              <a:rPr lang="en-IN" sz="900" dirty="0" smtClean="0">
+                <a:latin typeface="Consolas" panose="020B0609020204030204" pitchFamily="49" charset="0"/>
+              </a:rPr>
+              <a:t>: Save notebook (response) to </a:t>
+            </a:r>
+            <a:r>
+              <a:rPr lang="en-IN" sz="900" dirty="0" err="1" smtClean="0">
+                <a:latin typeface="Consolas" panose="020B0609020204030204" pitchFamily="49" charset="0"/>
+              </a:rPr>
+              <a:t>github</a:t>
+            </a:r>
+            <a:endParaRPr lang="en-IN" sz="900" dirty="0">
+              <a:latin typeface="Consolas" panose="020B0609020204030204" pitchFamily="49" charset="0"/>
+            </a:endParaRPr>
+          </a:p>
+        </p:txBody>
+      </p:sp>
+      <p:cxnSp>
+        <p:nvCxnSpPr>
+          <p:cNvPr id="55" name="Straight Arrow Connector 54"/>
+          <p:cNvCxnSpPr>
+            <a:stCxn id="9" idx="0"/>
+            <a:endCxn id="6" idx="1"/>
+          </p:cNvCxnSpPr>
+          <p:nvPr/>
+        </p:nvCxnSpPr>
+        <p:spPr>
+          <a:xfrm rot="5400000" flipH="1" flipV="1">
+            <a:off x="6870383" y="2589487"/>
+            <a:ext cx="1596921" cy="2702173"/>
+          </a:xfrm>
+          <a:prstGeom prst="bentConnector2">
+            <a:avLst/>
+          </a:prstGeom>
+          <a:ln>
+            <a:solidFill>
+              <a:schemeClr val="accent5">
+                <a:lumMod val="75000"/>
+              </a:schemeClr>
+            </a:solidFill>
+            <a:tailEnd type="triangle"/>
+          </a:ln>
+        </p:spPr>
+        <p:style>
+          <a:lnRef idx="2">
+            <a:schemeClr val="dk1"/>
+          </a:lnRef>
+          <a:fillRef idx="0">
+            <a:schemeClr val="dk1"/>
+          </a:fillRef>
+          <a:effectRef idx="1">
+            <a:schemeClr val="dk1"/>
+          </a:effectRef>
+          <a:fontRef idx="minor">
+            <a:schemeClr val="tx1"/>
+          </a:fontRef>
+        </p:style>
+      </p:cxnSp>
+      <p:sp>
+        <p:nvSpPr>
+          <p:cNvPr id="69" name="TextBox 68"/>
+          <p:cNvSpPr txBox="1"/>
+          <p:nvPr/>
+        </p:nvSpPr>
+        <p:spPr>
+          <a:xfrm>
+            <a:off x="7746700" y="2900945"/>
+            <a:ext cx="1018227" cy="230832"/>
+          </a:xfrm>
+          <a:prstGeom prst="rect">
+            <a:avLst/>
+          </a:prstGeom>
+          <a:noFill/>
+        </p:spPr>
+        <p:txBody>
+          <a:bodyPr wrap="none" rtlCol="0">
+            <a:spAutoFit/>
+          </a:bodyPr>
+          <a:lstStyle/>
+          <a:p>
+            <a:r>
+              <a:rPr lang="en-IN" sz="900" dirty="0" smtClean="0">
+                <a:latin typeface="Consolas" panose="020B0609020204030204" pitchFamily="49" charset="0"/>
+              </a:rPr>
+              <a:t>6: update job</a:t>
+            </a:r>
+            <a:endParaRPr lang="en-IN" sz="900" dirty="0">
+              <a:latin typeface="Consolas" panose="020B0609020204030204" pitchFamily="49" charset="0"/>
+            </a:endParaRPr>
+          </a:p>
+        </p:txBody>
+      </p:sp>
+      <p:sp>
+        <p:nvSpPr>
+          <p:cNvPr id="73" name="TextBox 72"/>
+          <p:cNvSpPr txBox="1"/>
+          <p:nvPr/>
+        </p:nvSpPr>
+        <p:spPr>
+          <a:xfrm>
+            <a:off x="2270812" y="1315339"/>
+            <a:ext cx="2685351" cy="230832"/>
+          </a:xfrm>
+          <a:prstGeom prst="rect">
+            <a:avLst/>
+          </a:prstGeom>
+          <a:noFill/>
+        </p:spPr>
+        <p:txBody>
+          <a:bodyPr wrap="none" rtlCol="0">
+            <a:spAutoFit/>
+          </a:bodyPr>
+          <a:lstStyle/>
+          <a:p>
+            <a:r>
+              <a:rPr lang="en-IN" sz="900" dirty="0" smtClean="0">
+                <a:latin typeface="Consolas" panose="020B0609020204030204" pitchFamily="49" charset="0"/>
+              </a:rPr>
+              <a:t>7: Load notebook (response) from </a:t>
+            </a:r>
+            <a:r>
+              <a:rPr lang="en-IN" sz="900" dirty="0" err="1" smtClean="0">
+                <a:latin typeface="Consolas" panose="020B0609020204030204" pitchFamily="49" charset="0"/>
+              </a:rPr>
+              <a:t>github</a:t>
+            </a:r>
+            <a:endParaRPr lang="en-IN" sz="900" dirty="0">
+              <a:latin typeface="Consolas" panose="020B0609020204030204" pitchFamily="49" charset="0"/>
+            </a:endParaRPr>
+          </a:p>
+        </p:txBody>
+      </p:sp>
+    </p:spTree>
+    <p:extLst>
+      <p:ext uri="{BB962C8B-B14F-4D97-AF65-F5344CB8AC3E}">
+        <p14:creationId xmlns:p14="http://schemas.microsoft.com/office/powerpoint/2010/main" val="1941257237"/>
+      </p:ext>
+    </p:extLst>
+  </p:cSld>
+  <p:clrMapOvr>
+    <a:masterClrMapping/>
+  </p:clrMapOvr>
+</p:sld>
+</file>
+
+<file path=ppt/slides/slide14.xml><?xml version="1.0" encoding="utf-8"?>
+<p:sld xmlns:a="http://schemas.openxmlformats.org/drawingml/2006/main" xmlns:r="http://schemas.openxmlformats.org/officeDocument/2006/relationships" xmlns:p="http://schemas.openxmlformats.org/presentationml/2006/main">
+  <p:cSld>
+    <p:spTree>
+      <p:nvGrpSpPr>
+        <p:cNvPr id="1" name=""/>
+        <p:cNvGrpSpPr/>
+        <p:nvPr/>
+      </p:nvGrpSpPr>
+      <p:grpSpPr>
+        <a:xfrm>
+          <a:off x="0" y="0"/>
+          <a:ext cx="0" cy="0"/>
+          <a:chOff x="0" y="0"/>
+          <a:chExt cx="0" cy="0"/>
+        </a:xfrm>
+      </p:grpSpPr>
+      <p:sp>
+        <p:nvSpPr>
+          <p:cNvPr id="2" name="Title 1"/>
+          <p:cNvSpPr>
+            <a:spLocks noGrp="1"/>
+          </p:cNvSpPr>
+          <p:nvPr>
+            <p:ph type="title"/>
+          </p:nvPr>
+        </p:nvSpPr>
+        <p:spPr/>
+        <p:txBody>
+          <a:bodyPr/>
+          <a:lstStyle/>
+          <a:p>
+            <a:r>
+              <a:rPr lang="en-IN" dirty="0" smtClean="0"/>
+              <a:t>Rise!</a:t>
+            </a:r>
+            <a:endParaRPr lang="en-IN" dirty="0"/>
+          </a:p>
+        </p:txBody>
+      </p:sp>
+      <p:sp>
+        <p:nvSpPr>
+          <p:cNvPr id="3" name="Text Placeholder 2"/>
+          <p:cNvSpPr>
+            <a:spLocks noGrp="1"/>
+          </p:cNvSpPr>
+          <p:nvPr>
+            <p:ph type="body" idx="1"/>
+          </p:nvPr>
+        </p:nvSpPr>
+        <p:spPr>
+          <a:xfrm>
+            <a:off x="831850" y="1555318"/>
+            <a:ext cx="10515600" cy="1500187"/>
+          </a:xfrm>
+        </p:spPr>
+        <p:txBody>
+          <a:bodyPr/>
+          <a:lstStyle/>
+          <a:p>
+            <a:r>
+              <a:rPr lang="en-IN" dirty="0" smtClean="0">
+                <a:solidFill>
+                  <a:schemeClr val="tx1">
+                    <a:lumMod val="75000"/>
+                    <a:lumOff val="25000"/>
+                  </a:schemeClr>
+                </a:solidFill>
+              </a:rPr>
+              <a:t>Collaborate, use, create</a:t>
+            </a:r>
+          </a:p>
+          <a:p>
+            <a:r>
+              <a:rPr lang="en-IN" dirty="0" smtClean="0">
+                <a:solidFill>
+                  <a:schemeClr val="tx1">
+                    <a:lumMod val="75000"/>
+                    <a:lumOff val="25000"/>
+                  </a:schemeClr>
+                </a:solidFill>
+              </a:rPr>
+              <a:t>Get in touch with me on WhatsApp: +91 9008175038</a:t>
+            </a:r>
+            <a:endParaRPr lang="en-IN" dirty="0">
+              <a:solidFill>
+                <a:schemeClr val="tx1">
+                  <a:lumMod val="75000"/>
+                  <a:lumOff val="25000"/>
+                </a:schemeClr>
+              </a:solidFill>
+            </a:endParaRPr>
+          </a:p>
+        </p:txBody>
+      </p:sp>
+    </p:spTree>
+    <p:extLst>
+      <p:ext uri="{BB962C8B-B14F-4D97-AF65-F5344CB8AC3E}">
+        <p14:creationId xmlns:p14="http://schemas.microsoft.com/office/powerpoint/2010/main" val="2695910435"/>
+      </p:ext>
+    </p:extLst>
+  </p:cSld>
+  <p:clrMapOvr>
+    <a:masterClrMapping/>
+  </p:clrMapOvr>
+  <p:timing>
+    <p:tnLst>
+      <p:par>
+        <p:cTn id="1" dur="indefinite" restart="never" nodeType="tmRoot"/>
+      </p:par>
+    </p:tnLst>
+  </p:timing>
+</p:sld>
+</file>
+
 <file path=ppt/slides/slide2.xml><?xml version="1.0" encoding="utf-8"?>
 <p:sld xmlns:a="http://schemas.openxmlformats.org/drawingml/2006/main" xmlns:r="http://schemas.openxmlformats.org/officeDocument/2006/relationships" xmlns:p="http://schemas.openxmlformats.org/presentationml/2006/main">
   <p:cSld>
@@ -3058,7 +4576,7 @@
       </p:grpSpPr>
       <p:sp>
         <p:nvSpPr>
-          <p:cNvPr id="4" name="Title 3"/>
+          <p:cNvPr id="2" name="Title 1"/>
           <p:cNvSpPr>
             <a:spLocks noGrp="1"/>
           </p:cNvSpPr>
@@ -3073,7 +4591,7 @@
           <a:p>
             <a:r>
               <a:rPr lang="en-IN" dirty="0" smtClean="0"/>
-              <a:t>Problem</a:t>
+              <a:t>About Me</a:t>
             </a:r>
             <a:endParaRPr lang="en-IN" dirty="0"/>
           </a:p>
@@ -3081,22 +4599,68 @@
       </p:sp>
       <p:sp>
         <p:nvSpPr>
-          <p:cNvPr id="5" name="Text Placeholder 4"/>
-          <p:cNvSpPr>
-            <a:spLocks noGrp="1"/>
-          </p:cNvSpPr>
-          <p:nvPr>
-            <p:ph type="body" idx="1"/>
-          </p:nvPr>
-        </p:nvSpPr>
-        <p:spPr/>
-        <p:txBody>
-          <a:bodyPr/>
-          <a:lstStyle/>
-          <a:p>
-            <a:r>
-              <a:rPr lang="en-IN" dirty="0" smtClean="0"/>
-              <a:t>Why?</a:t>
+          <p:cNvPr id="3" name="Content Placeholder 2"/>
+          <p:cNvSpPr>
+            <a:spLocks noGrp="1"/>
+          </p:cNvSpPr>
+          <p:nvPr>
+            <p:ph idx="1"/>
+          </p:nvPr>
+        </p:nvSpPr>
+        <p:spPr/>
+        <p:txBody>
+          <a:bodyPr/>
+          <a:lstStyle/>
+          <a:p>
+            <a:pPr marL="0" indent="0">
+              <a:buNone/>
+            </a:pPr>
+            <a:r>
+              <a:rPr lang="en-IN" dirty="0" smtClean="0"/>
+              <a:t>Shyam Sunder</a:t>
+            </a:r>
+          </a:p>
+          <a:p>
+            <a:pPr marL="0" indent="0">
+              <a:buNone/>
+            </a:pPr>
+            <a:r>
+              <a:rPr lang="en-IN" dirty="0" smtClean="0"/>
+              <a:t>I am a stock-broker who uses quantitative models to trade and invest. Both for myself and my clients.</a:t>
+            </a:r>
+          </a:p>
+          <a:p>
+            <a:pPr marL="0" indent="0">
+              <a:buNone/>
+            </a:pPr>
+            <a:endParaRPr lang="en-IN" dirty="0" smtClean="0"/>
+          </a:p>
+          <a:p>
+            <a:pPr marL="0" indent="0">
+              <a:buNone/>
+            </a:pPr>
+            <a:r>
+              <a:rPr lang="en-IN" dirty="0" smtClean="0"/>
+              <a:t>I blew up the world in 2008 and have been making amends </a:t>
+            </a:r>
+            <a:r>
+              <a:rPr lang="en-IN" smtClean="0"/>
+              <a:t>ever since ;)</a:t>
+            </a:r>
+          </a:p>
+          <a:p>
+            <a:pPr marL="0" indent="0">
+              <a:buNone/>
+            </a:pPr>
+            <a:endParaRPr lang="en-IN" dirty="0" smtClean="0"/>
+          </a:p>
+          <a:p>
+            <a:pPr marL="0" indent="0">
+              <a:buNone/>
+            </a:pPr>
+            <a:r>
+              <a:rPr lang="en-IN" dirty="0" smtClean="0"/>
+              <a:t>Check out StockViz.biz</a:t>
             </a:r>
             <a:endParaRPr lang="en-IN" dirty="0"/>
           </a:p>
@@ -3105,20 +4669,13 @@
     </p:spTree>
     <p:extLst>
       <p:ext uri="{BB962C8B-B14F-4D97-AF65-F5344CB8AC3E}">
-        <p14:creationId xmlns:p14="http://schemas.microsoft.com/office/powerpoint/2010/main" val="1988179993"/>
+        <p14:creationId xmlns:p14="http://schemas.microsoft.com/office/powerpoint/2010/main" val="2993921734"/>
       </p:ext>
     </p:extLst>
   </p:cSld>
   <p:clrMapOvr>
     <a:masterClrMapping/>
   </p:clrMapOvr>
-  <p:timing>
-    <p:tnLst>
-      <p:par>
-        <p:cTn id="1" dur="indefinite" restart="never" nodeType="tmRoot"/>
-      </p:par>
-    </p:tnLst>
-  </p:timing>
 </p:sld>
 </file>
 
@@ -3156,7 +4713,7 @@
           <a:p>
             <a:r>
               <a:rPr lang="en-IN" dirty="0" smtClean="0"/>
-              <a:t>Lay of the Land</a:t>
+              <a:t>Problem</a:t>
             </a:r>
             <a:endParaRPr lang="en-IN" dirty="0"/>
           </a:p>
@@ -3179,7 +4736,7 @@
           <a:p>
             <a:r>
               <a:rPr lang="en-IN" dirty="0" smtClean="0"/>
-              <a:t>Who else?</a:t>
+              <a:t>Why?</a:t>
             </a:r>
             <a:endParaRPr lang="en-IN" dirty="0"/>
           </a:p>
@@ -3188,7 +4745,7 @@
     </p:spTree>
     <p:extLst>
       <p:ext uri="{BB962C8B-B14F-4D97-AF65-F5344CB8AC3E}">
-        <p14:creationId xmlns:p14="http://schemas.microsoft.com/office/powerpoint/2010/main" val="1222071326"/>
+        <p14:creationId xmlns:p14="http://schemas.microsoft.com/office/powerpoint/2010/main" val="1988179993"/>
       </p:ext>
     </p:extLst>
   </p:cSld>
@@ -3239,7 +4796,7 @@
           <a:p>
             <a:r>
               <a:rPr lang="en-IN" dirty="0" smtClean="0"/>
-              <a:t>Attempts</a:t>
+              <a:t>Data: Expensive and Dirty</a:t>
             </a:r>
             <a:endParaRPr lang="en-IN" dirty="0"/>
           </a:p>
@@ -3247,23 +4804,37 @@
       </p:sp>
       <p:sp>
         <p:nvSpPr>
-          <p:cNvPr id="5" name="Text Placeholder 4"/>
-          <p:cNvSpPr>
-            <a:spLocks noGrp="1"/>
-          </p:cNvSpPr>
-          <p:nvPr>
-            <p:ph type="body" idx="1"/>
-          </p:nvPr>
-        </p:nvSpPr>
-        <p:spPr/>
-        <p:txBody>
-          <a:bodyPr/>
-          <a:lstStyle/>
-          <a:p>
-            <a:r>
-              <a:rPr lang="en-IN" dirty="0" smtClean="0"/>
-              <a:t>Failures</a:t>
-            </a:r>
+          <p:cNvPr id="5" name="Content Placeholder 4"/>
+          <p:cNvSpPr>
+            <a:spLocks noGrp="1"/>
+          </p:cNvSpPr>
+          <p:nvPr>
+            <p:ph idx="1"/>
+          </p:nvPr>
+        </p:nvSpPr>
+        <p:spPr/>
+        <p:txBody>
+          <a:bodyPr/>
+          <a:lstStyle/>
+          <a:p>
+            <a:r>
+              <a:rPr lang="en-IN" dirty="0" smtClean="0"/>
+              <a:t>Multiple vendors, different formats, orthogonal assumptions</a:t>
+            </a:r>
+          </a:p>
+          <a:p>
+            <a:r>
+              <a:rPr lang="en-IN" dirty="0" smtClean="0"/>
+              <a:t>Upfront investment in licensing, database setup and cleaning</a:t>
+            </a:r>
+          </a:p>
+          <a:p>
+            <a:r>
+              <a:rPr lang="en-IN" dirty="0" smtClean="0"/>
+              <a:t>Time-stamped meta-data is non-existent</a:t>
+            </a:r>
+          </a:p>
+          <a:p>
             <a:endParaRPr lang="en-IN" dirty="0"/>
           </a:p>
         </p:txBody>
@@ -3271,20 +4842,13 @@
     </p:spTree>
     <p:extLst>
       <p:ext uri="{BB962C8B-B14F-4D97-AF65-F5344CB8AC3E}">
-        <p14:creationId xmlns:p14="http://schemas.microsoft.com/office/powerpoint/2010/main" val="642209484"/>
+        <p14:creationId xmlns:p14="http://schemas.microsoft.com/office/powerpoint/2010/main" val="3976780941"/>
       </p:ext>
     </p:extLst>
   </p:cSld>
   <p:clrMapOvr>
     <a:masterClrMapping/>
   </p:clrMapOvr>
-  <p:timing>
-    <p:tnLst>
-      <p:par>
-        <p:cTn id="1" dur="indefinite" restart="never" nodeType="tmRoot"/>
-      </p:par>
-    </p:tnLst>
-  </p:timing>
 </p:sld>
 </file>
 
@@ -3322,7 +4886,7 @@
           <a:p>
             <a:r>
               <a:rPr lang="en-IN" dirty="0" smtClean="0"/>
-              <a:t>Flow</a:t>
+              <a:t>Analysis: Incomplete</a:t>
             </a:r>
             <a:endParaRPr lang="en-IN" dirty="0"/>
           </a:p>
@@ -3330,22 +4894,53 @@
       </p:sp>
       <p:sp>
         <p:nvSpPr>
-          <p:cNvPr id="3" name="Text Placeholder 2"/>
-          <p:cNvSpPr>
-            <a:spLocks noGrp="1"/>
-          </p:cNvSpPr>
-          <p:nvPr>
-            <p:ph type="body" idx="1"/>
-          </p:nvPr>
-        </p:nvSpPr>
-        <p:spPr/>
-        <p:txBody>
-          <a:bodyPr/>
-          <a:lstStyle/>
-          <a:p>
-            <a:r>
-              <a:rPr lang="en-IN" dirty="0" smtClean="0"/>
-              <a:t>How?</a:t>
+          <p:cNvPr id="3" name="Content Placeholder 2"/>
+          <p:cNvSpPr>
+            <a:spLocks noGrp="1"/>
+          </p:cNvSpPr>
+          <p:nvPr>
+            <p:ph idx="1"/>
+          </p:nvPr>
+        </p:nvSpPr>
+        <p:spPr>
+          <a:xfrm>
+            <a:off x="838200" y="1825625"/>
+            <a:ext cx="10515600" cy="4351338"/>
+          </a:xfrm>
+        </p:spPr>
+        <p:txBody>
+          <a:bodyPr/>
+          <a:lstStyle/>
+          <a:p>
+            <a:r>
+              <a:rPr lang="en-IN" dirty="0" smtClean="0"/>
+              <a:t>Almost all analysis is done by practitioners who may not have a background in statistics</a:t>
+            </a:r>
+          </a:p>
+          <a:p>
+            <a:r>
+              <a:rPr lang="en-IN" dirty="0" smtClean="0"/>
+              <a:t>Non-replicable</a:t>
+            </a:r>
+          </a:p>
+          <a:p>
+            <a:r>
+              <a:rPr lang="en-IN" dirty="0" smtClean="0"/>
+              <a:t>Only positive </a:t>
+            </a:r>
+            <a:r>
+              <a:rPr lang="en-IN" dirty="0" err="1" smtClean="0"/>
+              <a:t>backtests</a:t>
+            </a:r>
+            <a:r>
+              <a:rPr lang="en-IN" dirty="0" smtClean="0"/>
+              <a:t> are shared</a:t>
+            </a:r>
+          </a:p>
+          <a:p>
+            <a:r>
+              <a:rPr lang="en-IN" dirty="0" smtClean="0"/>
+              <a:t>Impossible to share research and solicit feedback</a:t>
             </a:r>
             <a:endParaRPr lang="en-IN" dirty="0"/>
           </a:p>
@@ -3354,20 +4949,13 @@
     </p:spTree>
     <p:extLst>
       <p:ext uri="{BB962C8B-B14F-4D97-AF65-F5344CB8AC3E}">
-        <p14:creationId xmlns:p14="http://schemas.microsoft.com/office/powerpoint/2010/main" val="3292695937"/>
+        <p14:creationId xmlns:p14="http://schemas.microsoft.com/office/powerpoint/2010/main" val="2463308012"/>
       </p:ext>
     </p:extLst>
   </p:cSld>
   <p:clrMapOvr>
     <a:masterClrMapping/>
   </p:clrMapOvr>
-  <p:timing>
-    <p:tnLst>
-      <p:par>
-        <p:cTn id="1" dur="indefinite" restart="never" nodeType="tmRoot"/>
-      </p:par>
-    </p:tnLst>
-  </p:timing>
 </p:sld>
 </file>
 
@@ -3390,7 +4978,7 @@
       </p:grpSpPr>
       <p:sp>
         <p:nvSpPr>
-          <p:cNvPr id="2" name="Title 1"/>
+          <p:cNvPr id="4" name="Title 3"/>
           <p:cNvSpPr>
             <a:spLocks noGrp="1"/>
           </p:cNvSpPr>
@@ -3405,7 +4993,7 @@
           <a:p>
             <a:r>
               <a:rPr lang="en-IN" dirty="0" smtClean="0"/>
-              <a:t>Rise!</a:t>
+              <a:t>Lay of the Land</a:t>
             </a:r>
             <a:endParaRPr lang="en-IN" dirty="0"/>
           </a:p>
@@ -3413,7 +5001,7 @@
       </p:sp>
       <p:sp>
         <p:nvSpPr>
-          <p:cNvPr id="3" name="Text Placeholder 2"/>
+          <p:cNvPr id="5" name="Text Placeholder 4"/>
           <p:cNvSpPr>
             <a:spLocks noGrp="1"/>
           </p:cNvSpPr>
@@ -3426,14 +5014,469 @@
           <a:bodyPr/>
           <a:lstStyle/>
           <a:p>
-            <a:endParaRPr lang="en-IN"/>
+            <a:r>
+              <a:rPr lang="en-IN" dirty="0" smtClean="0"/>
+              <a:t>Who else?</a:t>
+            </a:r>
+            <a:endParaRPr lang="en-IN" dirty="0"/>
           </a:p>
         </p:txBody>
       </p:sp>
     </p:spTree>
     <p:extLst>
       <p:ext uri="{BB962C8B-B14F-4D97-AF65-F5344CB8AC3E}">
-        <p14:creationId xmlns:p14="http://schemas.microsoft.com/office/powerpoint/2010/main" val="2695910435"/>
+        <p14:creationId xmlns:p14="http://schemas.microsoft.com/office/powerpoint/2010/main" val="1222071326"/>
+      </p:ext>
+    </p:extLst>
+  </p:cSld>
+  <p:clrMapOvr>
+    <a:masterClrMapping/>
+  </p:clrMapOvr>
+  <p:timing>
+    <p:tnLst>
+      <p:par>
+        <p:cTn id="1" dur="indefinite" restart="never" nodeType="tmRoot"/>
+      </p:par>
+    </p:tnLst>
+  </p:timing>
+</p:sld>
+</file>
+
+<file path=ppt/slides/slide7.xml><?xml version="1.0" encoding="utf-8"?>
+<p:sld xmlns:a="http://schemas.openxmlformats.org/drawingml/2006/main" xmlns:r="http://schemas.openxmlformats.org/officeDocument/2006/relationships" xmlns:p="http://schemas.openxmlformats.org/presentationml/2006/main">
+  <p:cSld>
+    <p:spTree>
+      <p:nvGrpSpPr>
+        <p:cNvPr id="1" name=""/>
+        <p:cNvGrpSpPr/>
+        <p:nvPr/>
+      </p:nvGrpSpPr>
+      <p:grpSpPr>
+        <a:xfrm>
+          <a:off x="0" y="0"/>
+          <a:ext cx="0" cy="0"/>
+          <a:chOff x="0" y="0"/>
+          <a:chExt cx="0" cy="0"/>
+        </a:xfrm>
+      </p:grpSpPr>
+      <p:sp>
+        <p:nvSpPr>
+          <p:cNvPr id="4" name="Title 3"/>
+          <p:cNvSpPr>
+            <a:spLocks noGrp="1"/>
+          </p:cNvSpPr>
+          <p:nvPr>
+            <p:ph type="title"/>
+          </p:nvPr>
+        </p:nvSpPr>
+        <p:spPr/>
+        <p:txBody>
+          <a:bodyPr/>
+          <a:lstStyle/>
+          <a:p>
+            <a:r>
+              <a:rPr lang="en-IN" dirty="0" smtClean="0">
+                <a:solidFill>
+                  <a:srgbClr val="FF0000"/>
+                </a:solidFill>
+              </a:rPr>
+              <a:t>Fin</a:t>
+            </a:r>
+            <a:r>
+              <a:rPr lang="en-IN" dirty="0" smtClean="0"/>
+              <a:t>-through-</a:t>
+            </a:r>
+            <a:r>
+              <a:rPr lang="en-IN" dirty="0" smtClean="0">
+                <a:solidFill>
+                  <a:srgbClr val="002060"/>
+                </a:solidFill>
+              </a:rPr>
+              <a:t>tech</a:t>
+            </a:r>
+            <a:endParaRPr lang="en-IN" dirty="0">
+              <a:solidFill>
+                <a:srgbClr val="002060"/>
+              </a:solidFill>
+            </a:endParaRPr>
+          </a:p>
+        </p:txBody>
+      </p:sp>
+      <p:sp>
+        <p:nvSpPr>
+          <p:cNvPr id="5" name="Content Placeholder 4"/>
+          <p:cNvSpPr>
+            <a:spLocks noGrp="1"/>
+          </p:cNvSpPr>
+          <p:nvPr>
+            <p:ph idx="1"/>
+          </p:nvPr>
+        </p:nvSpPr>
+        <p:spPr/>
+        <p:txBody>
+          <a:bodyPr>
+            <a:normAutofit lnSpcReduction="10000"/>
+          </a:bodyPr>
+          <a:lstStyle/>
+          <a:p>
+            <a:r>
+              <a:rPr lang="en-IN" dirty="0" err="1" smtClean="0"/>
+              <a:t>Quantopian</a:t>
+            </a:r>
+            <a:r>
+              <a:rPr lang="en-IN" dirty="0" smtClean="0"/>
+              <a:t> (</a:t>
+            </a:r>
+            <a:r>
+              <a:rPr lang="en-IN" dirty="0" smtClean="0">
+                <a:solidFill>
+                  <a:srgbClr val="FF0000"/>
+                </a:solidFill>
+              </a:rPr>
+              <a:t>Fin</a:t>
+            </a:r>
+            <a:r>
+              <a:rPr lang="en-IN" dirty="0" smtClean="0"/>
+              <a:t>)</a:t>
+            </a:r>
+            <a:endParaRPr lang="en-IN" dirty="0"/>
+          </a:p>
+          <a:p>
+            <a:pPr lvl="1"/>
+            <a:r>
+              <a:rPr lang="en-IN" dirty="0" err="1"/>
+              <a:t>Backtest</a:t>
+            </a:r>
+            <a:r>
+              <a:rPr lang="en-IN" dirty="0"/>
+              <a:t> only</a:t>
+            </a:r>
+          </a:p>
+          <a:p>
+            <a:pPr lvl="1"/>
+            <a:r>
+              <a:rPr lang="en-IN" dirty="0" smtClean="0"/>
+              <a:t>Staking</a:t>
+            </a:r>
+          </a:p>
+          <a:p>
+            <a:r>
+              <a:rPr lang="en-IN" dirty="0" err="1" smtClean="0"/>
+              <a:t>Quandl</a:t>
+            </a:r>
+            <a:r>
+              <a:rPr lang="en-IN" dirty="0" smtClean="0"/>
+              <a:t> (</a:t>
+            </a:r>
+            <a:r>
+              <a:rPr lang="en-IN" dirty="0" smtClean="0">
+                <a:solidFill>
+                  <a:srgbClr val="002060"/>
+                </a:solidFill>
+              </a:rPr>
+              <a:t>Tech</a:t>
+            </a:r>
+            <a:r>
+              <a:rPr lang="en-IN" dirty="0" smtClean="0"/>
+              <a:t>)</a:t>
+            </a:r>
+          </a:p>
+          <a:p>
+            <a:pPr lvl="1"/>
+            <a:r>
+              <a:rPr lang="en-IN" dirty="0" smtClean="0"/>
+              <a:t>Data API only</a:t>
+            </a:r>
+          </a:p>
+          <a:p>
+            <a:pPr lvl="1"/>
+            <a:r>
+              <a:rPr lang="en-IN" dirty="0" smtClean="0"/>
+              <a:t>Freemium + Marketplace</a:t>
+            </a:r>
+          </a:p>
+          <a:p>
+            <a:r>
+              <a:rPr lang="en-IN" dirty="0" smtClean="0"/>
+              <a:t>IEX Cloud (</a:t>
+            </a:r>
+            <a:r>
+              <a:rPr lang="en-IN" dirty="0" smtClean="0">
+                <a:solidFill>
+                  <a:srgbClr val="002060"/>
+                </a:solidFill>
+              </a:rPr>
+              <a:t>Tech</a:t>
+            </a:r>
+            <a:r>
+              <a:rPr lang="en-IN" dirty="0" smtClean="0"/>
+              <a:t>)</a:t>
+            </a:r>
+          </a:p>
+          <a:p>
+            <a:pPr lvl="1"/>
+            <a:r>
+              <a:rPr lang="en-IN" dirty="0" smtClean="0"/>
+              <a:t>Data API only</a:t>
+            </a:r>
+          </a:p>
+          <a:p>
+            <a:pPr lvl="1"/>
+            <a:r>
+              <a:rPr lang="en-IN" dirty="0" smtClean="0"/>
+              <a:t>Freemium</a:t>
+            </a:r>
+          </a:p>
+          <a:p>
+            <a:r>
+              <a:rPr lang="en-IN" dirty="0" smtClean="0"/>
+              <a:t>Numerous Indian clones</a:t>
+            </a:r>
+          </a:p>
+        </p:txBody>
+      </p:sp>
+    </p:spTree>
+    <p:extLst>
+      <p:ext uri="{BB962C8B-B14F-4D97-AF65-F5344CB8AC3E}">
+        <p14:creationId xmlns:p14="http://schemas.microsoft.com/office/powerpoint/2010/main" val="4177087739"/>
+      </p:ext>
+    </p:extLst>
+  </p:cSld>
+  <p:clrMapOvr>
+    <a:masterClrMapping/>
+  </p:clrMapOvr>
+</p:sld>
+</file>
+
+<file path=ppt/slides/slide8.xml><?xml version="1.0" encoding="utf-8"?>
+<p:sld xmlns:a="http://schemas.openxmlformats.org/drawingml/2006/main" xmlns:r="http://schemas.openxmlformats.org/officeDocument/2006/relationships" xmlns:p="http://schemas.openxmlformats.org/presentationml/2006/main">
+  <p:cSld>
+    <p:spTree>
+      <p:nvGrpSpPr>
+        <p:cNvPr id="1" name=""/>
+        <p:cNvGrpSpPr/>
+        <p:nvPr/>
+      </p:nvGrpSpPr>
+      <p:grpSpPr>
+        <a:xfrm>
+          <a:off x="0" y="0"/>
+          <a:ext cx="0" cy="0"/>
+          <a:chOff x="0" y="0"/>
+          <a:chExt cx="0" cy="0"/>
+        </a:xfrm>
+      </p:grpSpPr>
+      <p:sp>
+        <p:nvSpPr>
+          <p:cNvPr id="2" name="Title 1"/>
+          <p:cNvSpPr>
+            <a:spLocks noGrp="1"/>
+          </p:cNvSpPr>
+          <p:nvPr>
+            <p:ph type="title"/>
+          </p:nvPr>
+        </p:nvSpPr>
+        <p:spPr/>
+        <p:txBody>
+          <a:bodyPr/>
+          <a:lstStyle/>
+          <a:p>
+            <a:r>
+              <a:rPr lang="en-IN" dirty="0" smtClean="0"/>
+              <a:t>Unsolved problems</a:t>
+            </a:r>
+            <a:endParaRPr lang="en-IN" dirty="0"/>
+          </a:p>
+        </p:txBody>
+      </p:sp>
+      <p:sp>
+        <p:nvSpPr>
+          <p:cNvPr id="3" name="Content Placeholder 2"/>
+          <p:cNvSpPr>
+            <a:spLocks noGrp="1"/>
+          </p:cNvSpPr>
+          <p:nvPr>
+            <p:ph idx="1"/>
+          </p:nvPr>
+        </p:nvSpPr>
+        <p:spPr/>
+        <p:txBody>
+          <a:bodyPr/>
+          <a:lstStyle/>
+          <a:p>
+            <a:r>
+              <a:rPr lang="en-IN" dirty="0" smtClean="0"/>
+              <a:t>Bringing data to code is hard (</a:t>
+            </a:r>
+            <a:r>
+              <a:rPr lang="en-IN" dirty="0" err="1" smtClean="0"/>
+              <a:t>Quandl</a:t>
+            </a:r>
+            <a:r>
+              <a:rPr lang="en-IN" dirty="0" smtClean="0"/>
+              <a:t>, IEX)</a:t>
+            </a:r>
+          </a:p>
+          <a:p>
+            <a:pPr lvl="1"/>
+            <a:r>
+              <a:rPr lang="en-IN" dirty="0" smtClean="0"/>
+              <a:t>High bandwidth requirement – piping different data to different endpoints</a:t>
+            </a:r>
+          </a:p>
+          <a:p>
+            <a:pPr lvl="1"/>
+            <a:r>
+              <a:rPr lang="en-IN" dirty="0" smtClean="0"/>
+              <a:t>Usage is not predictable – should a dataset be hot/warm/tepid/cold</a:t>
+            </a:r>
+          </a:p>
+          <a:p>
+            <a:pPr lvl="1"/>
+            <a:r>
+              <a:rPr lang="en-IN" dirty="0" smtClean="0"/>
+              <a:t>Data needs to be metered</a:t>
+            </a:r>
+          </a:p>
+          <a:p>
+            <a:r>
+              <a:rPr lang="en-IN" dirty="0" smtClean="0"/>
+              <a:t>Bringing code to data is harder (</a:t>
+            </a:r>
+            <a:r>
+              <a:rPr lang="en-IN" dirty="0" err="1" smtClean="0"/>
+              <a:t>Quantopian</a:t>
+            </a:r>
+            <a:r>
+              <a:rPr lang="en-IN" dirty="0" smtClean="0"/>
+              <a:t>)</a:t>
+            </a:r>
+          </a:p>
+          <a:p>
+            <a:pPr lvl="1"/>
+            <a:r>
+              <a:rPr lang="en-IN" dirty="0" smtClean="0"/>
+              <a:t>Prevent malicious code</a:t>
+            </a:r>
+          </a:p>
+          <a:p>
+            <a:pPr lvl="1"/>
+            <a:r>
+              <a:rPr lang="en-IN" dirty="0" smtClean="0"/>
+              <a:t>Prevent data leakage</a:t>
+            </a:r>
+          </a:p>
+          <a:p>
+            <a:pPr lvl="1"/>
+            <a:r>
+              <a:rPr lang="en-IN" dirty="0" smtClean="0"/>
+              <a:t>Compute needs to be metered </a:t>
+            </a:r>
+          </a:p>
+          <a:p>
+            <a:pPr lvl="1"/>
+            <a:endParaRPr lang="en-IN" dirty="0"/>
+          </a:p>
+          <a:p>
+            <a:pPr marL="0" indent="0">
+              <a:buNone/>
+            </a:pPr>
+            <a:r>
+              <a:rPr lang="en-IN" dirty="0" smtClean="0"/>
+              <a:t>Hard </a:t>
+            </a:r>
+            <a:r>
+              <a:rPr lang="en-IN" dirty="0"/>
+              <a:t>Problems + Business Model = Product Design</a:t>
+            </a:r>
+          </a:p>
+          <a:p>
+            <a:pPr marL="457200" lvl="1" indent="0">
+              <a:buNone/>
+            </a:pPr>
+            <a:endParaRPr lang="en-IN" dirty="0"/>
+          </a:p>
+        </p:txBody>
+      </p:sp>
+    </p:spTree>
+    <p:extLst>
+      <p:ext uri="{BB962C8B-B14F-4D97-AF65-F5344CB8AC3E}">
+        <p14:creationId xmlns:p14="http://schemas.microsoft.com/office/powerpoint/2010/main" val="3509377160"/>
+      </p:ext>
+    </p:extLst>
+  </p:cSld>
+  <p:clrMapOvr>
+    <a:masterClrMapping/>
+  </p:clrMapOvr>
+</p:sld>
+</file>
+
+<file path=ppt/slides/slide9.xml><?xml version="1.0" encoding="utf-8"?>
+<p:sld xmlns:a="http://schemas.openxmlformats.org/drawingml/2006/main" xmlns:r="http://schemas.openxmlformats.org/officeDocument/2006/relationships" xmlns:p="http://schemas.openxmlformats.org/presentationml/2006/main">
+  <p:cSld>
+    <p:spTree>
+      <p:nvGrpSpPr>
+        <p:cNvPr id="1" name=""/>
+        <p:cNvGrpSpPr/>
+        <p:nvPr/>
+      </p:nvGrpSpPr>
+      <p:grpSpPr>
+        <a:xfrm>
+          <a:off x="0" y="0"/>
+          <a:ext cx="0" cy="0"/>
+          <a:chOff x="0" y="0"/>
+          <a:chExt cx="0" cy="0"/>
+        </a:xfrm>
+      </p:grpSpPr>
+      <p:sp>
+        <p:nvSpPr>
+          <p:cNvPr id="4" name="Title 3"/>
+          <p:cNvSpPr>
+            <a:spLocks noGrp="1"/>
+          </p:cNvSpPr>
+          <p:nvPr>
+            <p:ph type="title"/>
+          </p:nvPr>
+        </p:nvSpPr>
+        <p:spPr/>
+        <p:txBody>
+          <a:bodyPr/>
+          <a:lstStyle/>
+          <a:p>
+            <a:r>
+              <a:rPr lang="en-IN" dirty="0" smtClean="0"/>
+              <a:t>Attempts</a:t>
+            </a:r>
+            <a:endParaRPr lang="en-IN" dirty="0"/>
+          </a:p>
+        </p:txBody>
+      </p:sp>
+      <p:sp>
+        <p:nvSpPr>
+          <p:cNvPr id="5" name="Text Placeholder 4"/>
+          <p:cNvSpPr>
+            <a:spLocks noGrp="1"/>
+          </p:cNvSpPr>
+          <p:nvPr>
+            <p:ph type="body" idx="1"/>
+          </p:nvPr>
+        </p:nvSpPr>
+        <p:spPr/>
+        <p:txBody>
+          <a:bodyPr/>
+          <a:lstStyle/>
+          <a:p>
+            <a:r>
+              <a:rPr lang="en-IN" dirty="0" smtClean="0"/>
+              <a:t>Failures</a:t>
+            </a:r>
+            <a:endParaRPr lang="en-IN" dirty="0"/>
+          </a:p>
+        </p:txBody>
+      </p:sp>
+    </p:spTree>
+    <p:extLst>
+      <p:ext uri="{BB962C8B-B14F-4D97-AF65-F5344CB8AC3E}">
+        <p14:creationId xmlns:p14="http://schemas.microsoft.com/office/powerpoint/2010/main" val="642209484"/>
       </p:ext>
     </p:extLst>
   </p:cSld>

--- a/media/Pluto.pptx
+++ b/media/Pluto.pptx
@@ -4641,11 +4641,7 @@
             </a:pPr>
             <a:r>
               <a:rPr lang="en-IN" dirty="0" smtClean="0"/>
-              <a:t>I blew up the world in 2008 and have been making amends </a:t>
-            </a:r>
-            <a:r>
-              <a:rPr lang="en-IN" smtClean="0"/>
-              <a:t>ever since ;)</a:t>
+              <a:t>I blew up the world in 2008 and have been making amends ever since ;)</a:t>
             </a:r>
           </a:p>
           <a:p>
@@ -5230,8 +5226,13 @@
           <a:p>
             <a:r>
               <a:rPr lang="en-IN" dirty="0" smtClean="0"/>
-              <a:t>Numerous Indian clones</a:t>
-            </a:r>
+              <a:t>Numerous </a:t>
+            </a:r>
+            <a:r>
+              <a:rPr lang="en-IN" dirty="0" smtClean="0"/>
+              <a:t>(Indian) clones</a:t>
+            </a:r>
+            <a:endParaRPr lang="en-IN" dirty="0" smtClean="0"/>
           </a:p>
         </p:txBody>
       </p:sp>
@@ -5300,7 +5301,9 @@
         </p:nvSpPr>
         <p:spPr/>
         <p:txBody>
-          <a:bodyPr/>
+          <a:bodyPr>
+            <a:normAutofit fontScale="92500" lnSpcReduction="20000"/>
+          </a:bodyPr>
           <a:lstStyle/>
           <a:p>
             <a:r>
@@ -5371,6 +5374,25 @@
               <a:rPr lang="en-IN" dirty="0" smtClean="0"/>
               <a:t>Compute needs to be metered </a:t>
             </a:r>
+            <a:endParaRPr lang="en-IN" dirty="0" smtClean="0"/>
+          </a:p>
+          <a:p>
+            <a:r>
+              <a:rPr lang="en-IN" dirty="0" smtClean="0"/>
+              <a:t>Defining the user is the hardest</a:t>
+            </a:r>
+          </a:p>
+          <a:p>
+            <a:pPr lvl="1"/>
+            <a:r>
+              <a:rPr lang="en-IN" dirty="0" smtClean="0"/>
+              <a:t>Academic? Trader? Investor? </a:t>
+            </a:r>
+            <a:r>
+              <a:rPr lang="en-IN" dirty="0" smtClean="0"/>
+              <a:t>Student?</a:t>
+            </a:r>
+            <a:endParaRPr lang="en-IN" dirty="0" smtClean="0"/>
           </a:p>
           <a:p>
             <a:pPr lvl="1"/>
@@ -5386,13 +5408,12 @@
             </a:r>
             <a:r>
               <a:rPr lang="en-IN" dirty="0"/>
-              <a:t>Problems + Business Model = Product Design</a:t>
-            </a:r>
-          </a:p>
-          <a:p>
-            <a:pPr marL="457200" lvl="1" indent="0">
-              <a:buNone/>
-            </a:pPr>
+              <a:t>Problems + Business Model = Product </a:t>
+            </a:r>
+            <a:r>
+              <a:rPr lang="en-IN" dirty="0" smtClean="0"/>
+              <a:t>Design</a:t>
+            </a:r>
             <a:endParaRPr lang="en-IN" dirty="0"/>
           </a:p>
         </p:txBody>
